--- a/UI-UX/UI-UX for Growme.pptx
+++ b/UI-UX/UI-UX for Growme.pptx
@@ -7,6 +7,9 @@
   <p:sldIdLst>
     <p:sldId id="256" r:id="rId2"/>
     <p:sldId id="257" r:id="rId3"/>
+    <p:sldId id="258" r:id="rId4"/>
+    <p:sldId id="259" r:id="rId5"/>
+    <p:sldId id="260" r:id="rId6"/>
   </p:sldIdLst>
   <p:sldSz cx="12192000" cy="6858000"/>
   <p:notesSz cx="6858000" cy="9144000"/>
@@ -105,6 +108,11 @@
       </a:defRPr>
     </a:lvl9pPr>
   </p:defaultTextStyle>
+  <p:extLst>
+    <p:ext uri="{EFAFB233-063F-42B5-8137-9DF3F51BA10A}">
+      <p15:sldGuideLst xmlns:p15="http://schemas.microsoft.com/office/powerpoint/2012/main"/>
+    </p:ext>
+  </p:extLst>
 </p:presentation>
 </file>
 
@@ -150,10 +158,9 @@
           </a:lstStyle>
           <a:p>
             <a:r>
-              <a:rPr lang="en-US" smtClean="0"/>
+              <a:rPr lang="en-US"/>
               <a:t>Click to edit Master title style</a:t>
             </a:r>
-            <a:endParaRPr lang="en-US"/>
           </a:p>
         </p:txBody>
       </p:sp>
@@ -215,10 +222,9 @@
           </a:lstStyle>
           <a:p>
             <a:r>
-              <a:rPr lang="en-US" smtClean="0"/>
+              <a:rPr lang="en-US"/>
               <a:t>Click to edit Master subtitle style</a:t>
             </a:r>
-            <a:endParaRPr lang="en-US"/>
           </a:p>
         </p:txBody>
       </p:sp>
@@ -239,7 +245,7 @@
           <a:p>
             <a:fld id="{AA0F73CE-C1CA-498A-BE5A-4AE406F868FB}" type="datetimeFigureOut">
               <a:rPr lang="en-US" smtClean="0"/>
-              <a:t>8/20/2019</a:t>
+              <a:t>8/30/2019</a:t>
             </a:fld>
             <a:endParaRPr lang="en-US"/>
           </a:p>
@@ -333,10 +339,9 @@
           <a:lstStyle/>
           <a:p>
             <a:r>
-              <a:rPr lang="en-US" smtClean="0"/>
+              <a:rPr lang="en-US"/>
               <a:t>Click to edit Master title style</a:t>
             </a:r>
-            <a:endParaRPr lang="en-US"/>
           </a:p>
         </p:txBody>
       </p:sp>
@@ -357,38 +362,37 @@
           <a:p>
             <a:pPr lvl="0"/>
             <a:r>
-              <a:rPr lang="en-US" smtClean="0"/>
+              <a:rPr lang="en-US"/>
               <a:t>Click to edit Master text styles</a:t>
             </a:r>
           </a:p>
           <a:p>
             <a:pPr lvl="1"/>
             <a:r>
-              <a:rPr lang="en-US" smtClean="0"/>
+              <a:rPr lang="en-US"/>
               <a:t>Second level</a:t>
             </a:r>
           </a:p>
           <a:p>
             <a:pPr lvl="2"/>
             <a:r>
-              <a:rPr lang="en-US" smtClean="0"/>
+              <a:rPr lang="en-US"/>
               <a:t>Third level</a:t>
             </a:r>
           </a:p>
           <a:p>
             <a:pPr lvl="3"/>
             <a:r>
-              <a:rPr lang="en-US" smtClean="0"/>
+              <a:rPr lang="en-US"/>
               <a:t>Fourth level</a:t>
             </a:r>
           </a:p>
           <a:p>
             <a:pPr lvl="4"/>
             <a:r>
-              <a:rPr lang="en-US" smtClean="0"/>
+              <a:rPr lang="en-US"/>
               <a:t>Fifth level</a:t>
             </a:r>
-            <a:endParaRPr lang="en-US"/>
           </a:p>
         </p:txBody>
       </p:sp>
@@ -409,7 +413,7 @@
           <a:p>
             <a:fld id="{AA0F73CE-C1CA-498A-BE5A-4AE406F868FB}" type="datetimeFigureOut">
               <a:rPr lang="en-US" smtClean="0"/>
-              <a:t>8/20/2019</a:t>
+              <a:t>8/30/2019</a:t>
             </a:fld>
             <a:endParaRPr lang="en-US"/>
           </a:p>
@@ -508,10 +512,9 @@
           <a:lstStyle/>
           <a:p>
             <a:r>
-              <a:rPr lang="en-US" smtClean="0"/>
+              <a:rPr lang="en-US"/>
               <a:t>Click to edit Master title style</a:t>
             </a:r>
-            <a:endParaRPr lang="en-US"/>
           </a:p>
         </p:txBody>
       </p:sp>
@@ -537,38 +540,37 @@
           <a:p>
             <a:pPr lvl="0"/>
             <a:r>
-              <a:rPr lang="en-US" smtClean="0"/>
+              <a:rPr lang="en-US"/>
               <a:t>Click to edit Master text styles</a:t>
             </a:r>
           </a:p>
           <a:p>
             <a:pPr lvl="1"/>
             <a:r>
-              <a:rPr lang="en-US" smtClean="0"/>
+              <a:rPr lang="en-US"/>
               <a:t>Second level</a:t>
             </a:r>
           </a:p>
           <a:p>
             <a:pPr lvl="2"/>
             <a:r>
-              <a:rPr lang="en-US" smtClean="0"/>
+              <a:rPr lang="en-US"/>
               <a:t>Third level</a:t>
             </a:r>
           </a:p>
           <a:p>
             <a:pPr lvl="3"/>
             <a:r>
-              <a:rPr lang="en-US" smtClean="0"/>
+              <a:rPr lang="en-US"/>
               <a:t>Fourth level</a:t>
             </a:r>
           </a:p>
           <a:p>
             <a:pPr lvl="4"/>
             <a:r>
-              <a:rPr lang="en-US" smtClean="0"/>
+              <a:rPr lang="en-US"/>
               <a:t>Fifth level</a:t>
             </a:r>
-            <a:endParaRPr lang="en-US"/>
           </a:p>
         </p:txBody>
       </p:sp>
@@ -589,7 +591,7 @@
           <a:p>
             <a:fld id="{AA0F73CE-C1CA-498A-BE5A-4AE406F868FB}" type="datetimeFigureOut">
               <a:rPr lang="en-US" smtClean="0"/>
-              <a:t>8/20/2019</a:t>
+              <a:t>8/30/2019</a:t>
             </a:fld>
             <a:endParaRPr lang="en-US"/>
           </a:p>
@@ -683,10 +685,9 @@
           <a:lstStyle/>
           <a:p>
             <a:r>
-              <a:rPr lang="en-US" smtClean="0"/>
+              <a:rPr lang="en-US"/>
               <a:t>Click to edit Master title style</a:t>
             </a:r>
-            <a:endParaRPr lang="en-US"/>
           </a:p>
         </p:txBody>
       </p:sp>
@@ -707,38 +708,37 @@
           <a:p>
             <a:pPr lvl="0"/>
             <a:r>
-              <a:rPr lang="en-US" smtClean="0"/>
+              <a:rPr lang="en-US"/>
               <a:t>Click to edit Master text styles</a:t>
             </a:r>
           </a:p>
           <a:p>
             <a:pPr lvl="1"/>
             <a:r>
-              <a:rPr lang="en-US" smtClean="0"/>
+              <a:rPr lang="en-US"/>
               <a:t>Second level</a:t>
             </a:r>
           </a:p>
           <a:p>
             <a:pPr lvl="2"/>
             <a:r>
-              <a:rPr lang="en-US" smtClean="0"/>
+              <a:rPr lang="en-US"/>
               <a:t>Third level</a:t>
             </a:r>
           </a:p>
           <a:p>
             <a:pPr lvl="3"/>
             <a:r>
-              <a:rPr lang="en-US" smtClean="0"/>
+              <a:rPr lang="en-US"/>
               <a:t>Fourth level</a:t>
             </a:r>
           </a:p>
           <a:p>
             <a:pPr lvl="4"/>
             <a:r>
-              <a:rPr lang="en-US" smtClean="0"/>
+              <a:rPr lang="en-US"/>
               <a:t>Fifth level</a:t>
             </a:r>
-            <a:endParaRPr lang="en-US"/>
           </a:p>
         </p:txBody>
       </p:sp>
@@ -759,7 +759,7 @@
           <a:p>
             <a:fld id="{AA0F73CE-C1CA-498A-BE5A-4AE406F868FB}" type="datetimeFigureOut">
               <a:rPr lang="en-US" smtClean="0"/>
-              <a:t>8/20/2019</a:t>
+              <a:t>8/30/2019</a:t>
             </a:fld>
             <a:endParaRPr lang="en-US"/>
           </a:p>
@@ -862,10 +862,9 @@
           </a:lstStyle>
           <a:p>
             <a:r>
-              <a:rPr lang="en-US" smtClean="0"/>
+              <a:rPr lang="en-US"/>
               <a:t>Click to edit Master title style</a:t>
             </a:r>
-            <a:endParaRPr lang="en-US"/>
           </a:p>
         </p:txBody>
       </p:sp>
@@ -982,7 +981,7 @@
           <a:p>
             <a:pPr lvl="0"/>
             <a:r>
-              <a:rPr lang="en-US" smtClean="0"/>
+              <a:rPr lang="en-US"/>
               <a:t>Click to edit Master text styles</a:t>
             </a:r>
           </a:p>
@@ -1005,7 +1004,7 @@
           <a:p>
             <a:fld id="{AA0F73CE-C1CA-498A-BE5A-4AE406F868FB}" type="datetimeFigureOut">
               <a:rPr lang="en-US" smtClean="0"/>
-              <a:t>8/20/2019</a:t>
+              <a:t>8/30/2019</a:t>
             </a:fld>
             <a:endParaRPr lang="en-US"/>
           </a:p>
@@ -1099,10 +1098,9 @@
           <a:lstStyle/>
           <a:p>
             <a:r>
-              <a:rPr lang="en-US" smtClean="0"/>
+              <a:rPr lang="en-US"/>
               <a:t>Click to edit Master title style</a:t>
             </a:r>
-            <a:endParaRPr lang="en-US"/>
           </a:p>
         </p:txBody>
       </p:sp>
@@ -1128,38 +1126,37 @@
           <a:p>
             <a:pPr lvl="0"/>
             <a:r>
-              <a:rPr lang="en-US" smtClean="0"/>
+              <a:rPr lang="en-US"/>
               <a:t>Click to edit Master text styles</a:t>
             </a:r>
           </a:p>
           <a:p>
             <a:pPr lvl="1"/>
             <a:r>
-              <a:rPr lang="en-US" smtClean="0"/>
+              <a:rPr lang="en-US"/>
               <a:t>Second level</a:t>
             </a:r>
           </a:p>
           <a:p>
             <a:pPr lvl="2"/>
             <a:r>
-              <a:rPr lang="en-US" smtClean="0"/>
+              <a:rPr lang="en-US"/>
               <a:t>Third level</a:t>
             </a:r>
           </a:p>
           <a:p>
             <a:pPr lvl="3"/>
             <a:r>
-              <a:rPr lang="en-US" smtClean="0"/>
+              <a:rPr lang="en-US"/>
               <a:t>Fourth level</a:t>
             </a:r>
           </a:p>
           <a:p>
             <a:pPr lvl="4"/>
             <a:r>
-              <a:rPr lang="en-US" smtClean="0"/>
+              <a:rPr lang="en-US"/>
               <a:t>Fifth level</a:t>
             </a:r>
-            <a:endParaRPr lang="en-US"/>
           </a:p>
         </p:txBody>
       </p:sp>
@@ -1185,38 +1182,37 @@
           <a:p>
             <a:pPr lvl="0"/>
             <a:r>
-              <a:rPr lang="en-US" smtClean="0"/>
+              <a:rPr lang="en-US"/>
               <a:t>Click to edit Master text styles</a:t>
             </a:r>
           </a:p>
           <a:p>
             <a:pPr lvl="1"/>
             <a:r>
-              <a:rPr lang="en-US" smtClean="0"/>
+              <a:rPr lang="en-US"/>
               <a:t>Second level</a:t>
             </a:r>
           </a:p>
           <a:p>
             <a:pPr lvl="2"/>
             <a:r>
-              <a:rPr lang="en-US" smtClean="0"/>
+              <a:rPr lang="en-US"/>
               <a:t>Third level</a:t>
             </a:r>
           </a:p>
           <a:p>
             <a:pPr lvl="3"/>
             <a:r>
-              <a:rPr lang="en-US" smtClean="0"/>
+              <a:rPr lang="en-US"/>
               <a:t>Fourth level</a:t>
             </a:r>
           </a:p>
           <a:p>
             <a:pPr lvl="4"/>
             <a:r>
-              <a:rPr lang="en-US" smtClean="0"/>
+              <a:rPr lang="en-US"/>
               <a:t>Fifth level</a:t>
             </a:r>
-            <a:endParaRPr lang="en-US"/>
           </a:p>
         </p:txBody>
       </p:sp>
@@ -1237,7 +1233,7 @@
           <a:p>
             <a:fld id="{AA0F73CE-C1CA-498A-BE5A-4AE406F868FB}" type="datetimeFigureOut">
               <a:rPr lang="en-US" smtClean="0"/>
-              <a:t>8/20/2019</a:t>
+              <a:t>8/30/2019</a:t>
             </a:fld>
             <a:endParaRPr lang="en-US"/>
           </a:p>
@@ -1336,10 +1332,9 @@
           <a:lstStyle/>
           <a:p>
             <a:r>
-              <a:rPr lang="en-US" smtClean="0"/>
+              <a:rPr lang="en-US"/>
               <a:t>Click to edit Master title style</a:t>
             </a:r>
-            <a:endParaRPr lang="en-US"/>
           </a:p>
         </p:txBody>
       </p:sp>
@@ -1402,7 +1397,7 @@
           <a:p>
             <a:pPr lvl="0"/>
             <a:r>
-              <a:rPr lang="en-US" smtClean="0"/>
+              <a:rPr lang="en-US"/>
               <a:t>Click to edit Master text styles</a:t>
             </a:r>
           </a:p>
@@ -1430,38 +1425,37 @@
           <a:p>
             <a:pPr lvl="0"/>
             <a:r>
-              <a:rPr lang="en-US" smtClean="0"/>
+              <a:rPr lang="en-US"/>
               <a:t>Click to edit Master text styles</a:t>
             </a:r>
           </a:p>
           <a:p>
             <a:pPr lvl="1"/>
             <a:r>
-              <a:rPr lang="en-US" smtClean="0"/>
+              <a:rPr lang="en-US"/>
               <a:t>Second level</a:t>
             </a:r>
           </a:p>
           <a:p>
             <a:pPr lvl="2"/>
             <a:r>
-              <a:rPr lang="en-US" smtClean="0"/>
+              <a:rPr lang="en-US"/>
               <a:t>Third level</a:t>
             </a:r>
           </a:p>
           <a:p>
             <a:pPr lvl="3"/>
             <a:r>
-              <a:rPr lang="en-US" smtClean="0"/>
+              <a:rPr lang="en-US"/>
               <a:t>Fourth level</a:t>
             </a:r>
           </a:p>
           <a:p>
             <a:pPr lvl="4"/>
             <a:r>
-              <a:rPr lang="en-US" smtClean="0"/>
+              <a:rPr lang="en-US"/>
               <a:t>Fifth level</a:t>
             </a:r>
-            <a:endParaRPr lang="en-US"/>
           </a:p>
         </p:txBody>
       </p:sp>
@@ -1524,7 +1518,7 @@
           <a:p>
             <a:pPr lvl="0"/>
             <a:r>
-              <a:rPr lang="en-US" smtClean="0"/>
+              <a:rPr lang="en-US"/>
               <a:t>Click to edit Master text styles</a:t>
             </a:r>
           </a:p>
@@ -1552,38 +1546,37 @@
           <a:p>
             <a:pPr lvl="0"/>
             <a:r>
-              <a:rPr lang="en-US" smtClean="0"/>
+              <a:rPr lang="en-US"/>
               <a:t>Click to edit Master text styles</a:t>
             </a:r>
           </a:p>
           <a:p>
             <a:pPr lvl="1"/>
             <a:r>
-              <a:rPr lang="en-US" smtClean="0"/>
+              <a:rPr lang="en-US"/>
               <a:t>Second level</a:t>
             </a:r>
           </a:p>
           <a:p>
             <a:pPr lvl="2"/>
             <a:r>
-              <a:rPr lang="en-US" smtClean="0"/>
+              <a:rPr lang="en-US"/>
               <a:t>Third level</a:t>
             </a:r>
           </a:p>
           <a:p>
             <a:pPr lvl="3"/>
             <a:r>
-              <a:rPr lang="en-US" smtClean="0"/>
+              <a:rPr lang="en-US"/>
               <a:t>Fourth level</a:t>
             </a:r>
           </a:p>
           <a:p>
             <a:pPr lvl="4"/>
             <a:r>
-              <a:rPr lang="en-US" smtClean="0"/>
+              <a:rPr lang="en-US"/>
               <a:t>Fifth level</a:t>
             </a:r>
-            <a:endParaRPr lang="en-US"/>
           </a:p>
         </p:txBody>
       </p:sp>
@@ -1604,7 +1597,7 @@
           <a:p>
             <a:fld id="{AA0F73CE-C1CA-498A-BE5A-4AE406F868FB}" type="datetimeFigureOut">
               <a:rPr lang="en-US" smtClean="0"/>
-              <a:t>8/20/2019</a:t>
+              <a:t>8/30/2019</a:t>
             </a:fld>
             <a:endParaRPr lang="en-US"/>
           </a:p>
@@ -1698,10 +1691,9 @@
           <a:lstStyle/>
           <a:p>
             <a:r>
-              <a:rPr lang="en-US" smtClean="0"/>
+              <a:rPr lang="en-US"/>
               <a:t>Click to edit Master title style</a:t>
             </a:r>
-            <a:endParaRPr lang="en-US"/>
           </a:p>
         </p:txBody>
       </p:sp>
@@ -1722,7 +1714,7 @@
           <a:p>
             <a:fld id="{AA0F73CE-C1CA-498A-BE5A-4AE406F868FB}" type="datetimeFigureOut">
               <a:rPr lang="en-US" smtClean="0"/>
-              <a:t>8/20/2019</a:t>
+              <a:t>8/30/2019</a:t>
             </a:fld>
             <a:endParaRPr lang="en-US"/>
           </a:p>
@@ -1817,7 +1809,7 @@
           <a:p>
             <a:fld id="{AA0F73CE-C1CA-498A-BE5A-4AE406F868FB}" type="datetimeFigureOut">
               <a:rPr lang="en-US" smtClean="0"/>
-              <a:t>8/20/2019</a:t>
+              <a:t>8/30/2019</a:t>
             </a:fld>
             <a:endParaRPr lang="en-US"/>
           </a:p>
@@ -1920,10 +1912,9 @@
           </a:lstStyle>
           <a:p>
             <a:r>
-              <a:rPr lang="en-US" smtClean="0"/>
+              <a:rPr lang="en-US"/>
               <a:t>Click to edit Master title style</a:t>
             </a:r>
-            <a:endParaRPr lang="en-US"/>
           </a:p>
         </p:txBody>
       </p:sp>
@@ -1977,38 +1968,37 @@
           <a:p>
             <a:pPr lvl="0"/>
             <a:r>
-              <a:rPr lang="en-US" smtClean="0"/>
+              <a:rPr lang="en-US"/>
               <a:t>Click to edit Master text styles</a:t>
             </a:r>
           </a:p>
           <a:p>
             <a:pPr lvl="1"/>
             <a:r>
-              <a:rPr lang="en-US" smtClean="0"/>
+              <a:rPr lang="en-US"/>
               <a:t>Second level</a:t>
             </a:r>
           </a:p>
           <a:p>
             <a:pPr lvl="2"/>
             <a:r>
-              <a:rPr lang="en-US" smtClean="0"/>
+              <a:rPr lang="en-US"/>
               <a:t>Third level</a:t>
             </a:r>
           </a:p>
           <a:p>
             <a:pPr lvl="3"/>
             <a:r>
-              <a:rPr lang="en-US" smtClean="0"/>
+              <a:rPr lang="en-US"/>
               <a:t>Fourth level</a:t>
             </a:r>
           </a:p>
           <a:p>
             <a:pPr lvl="4"/>
             <a:r>
-              <a:rPr lang="en-US" smtClean="0"/>
+              <a:rPr lang="en-US"/>
               <a:t>Fifth level</a:t>
             </a:r>
-            <a:endParaRPr lang="en-US"/>
           </a:p>
         </p:txBody>
       </p:sp>
@@ -2071,7 +2061,7 @@
           <a:p>
             <a:pPr lvl="0"/>
             <a:r>
-              <a:rPr lang="en-US" smtClean="0"/>
+              <a:rPr lang="en-US"/>
               <a:t>Click to edit Master text styles</a:t>
             </a:r>
           </a:p>
@@ -2094,7 +2084,7 @@
           <a:p>
             <a:fld id="{AA0F73CE-C1CA-498A-BE5A-4AE406F868FB}" type="datetimeFigureOut">
               <a:rPr lang="en-US" smtClean="0"/>
-              <a:t>8/20/2019</a:t>
+              <a:t>8/30/2019</a:t>
             </a:fld>
             <a:endParaRPr lang="en-US"/>
           </a:p>
@@ -2197,10 +2187,9 @@
           </a:lstStyle>
           <a:p>
             <a:r>
-              <a:rPr lang="en-US" smtClean="0"/>
+              <a:rPr lang="en-US"/>
               <a:t>Click to edit Master title style</a:t>
             </a:r>
-            <a:endParaRPr lang="en-US"/>
           </a:p>
         </p:txBody>
       </p:sp>
@@ -2324,7 +2313,7 @@
           <a:p>
             <a:pPr lvl="0"/>
             <a:r>
-              <a:rPr lang="en-US" smtClean="0"/>
+              <a:rPr lang="en-US"/>
               <a:t>Click to edit Master text styles</a:t>
             </a:r>
           </a:p>
@@ -2347,7 +2336,7 @@
           <a:p>
             <a:fld id="{AA0F73CE-C1CA-498A-BE5A-4AE406F868FB}" type="datetimeFigureOut">
               <a:rPr lang="en-US" smtClean="0"/>
-              <a:t>8/20/2019</a:t>
+              <a:t>8/30/2019</a:t>
             </a:fld>
             <a:endParaRPr lang="en-US"/>
           </a:p>
@@ -2456,10 +2445,9 @@
           <a:lstStyle/>
           <a:p>
             <a:r>
-              <a:rPr lang="en-US" smtClean="0"/>
+              <a:rPr lang="en-US"/>
               <a:t>Click to edit Master title style</a:t>
             </a:r>
-            <a:endParaRPr lang="en-US"/>
           </a:p>
         </p:txBody>
       </p:sp>
@@ -2490,38 +2478,37 @@
           <a:p>
             <a:pPr lvl="0"/>
             <a:r>
-              <a:rPr lang="en-US" smtClean="0"/>
+              <a:rPr lang="en-US"/>
               <a:t>Click to edit Master text styles</a:t>
             </a:r>
           </a:p>
           <a:p>
             <a:pPr lvl="1"/>
             <a:r>
-              <a:rPr lang="en-US" smtClean="0"/>
+              <a:rPr lang="en-US"/>
               <a:t>Second level</a:t>
             </a:r>
           </a:p>
           <a:p>
             <a:pPr lvl="2"/>
             <a:r>
-              <a:rPr lang="en-US" smtClean="0"/>
+              <a:rPr lang="en-US"/>
               <a:t>Third level</a:t>
             </a:r>
           </a:p>
           <a:p>
             <a:pPr lvl="3"/>
             <a:r>
-              <a:rPr lang="en-US" smtClean="0"/>
+              <a:rPr lang="en-US"/>
               <a:t>Fourth level</a:t>
             </a:r>
           </a:p>
           <a:p>
             <a:pPr lvl="4"/>
             <a:r>
-              <a:rPr lang="en-US" smtClean="0"/>
+              <a:rPr lang="en-US"/>
               <a:t>Fifth level</a:t>
             </a:r>
-            <a:endParaRPr lang="en-US"/>
           </a:p>
         </p:txBody>
       </p:sp>
@@ -2560,7 +2547,7 @@
           <a:p>
             <a:fld id="{AA0F73CE-C1CA-498A-BE5A-4AE406F868FB}" type="datetimeFigureOut">
               <a:rPr lang="en-US" smtClean="0"/>
-              <a:t>8/20/2019</a:t>
+              <a:t>8/30/2019</a:t>
             </a:fld>
             <a:endParaRPr lang="en-US"/>
           </a:p>
@@ -3012,10 +2999,9 @@
           <a:lstStyle/>
           <a:p>
             <a:r>
-              <a:rPr lang="en-US" sz="2800" smtClean="0"/>
+              <a:rPr lang="en-US" sz="2800"/>
               <a:t>Color for iOS Apple</a:t>
             </a:r>
-            <a:endParaRPr lang="en-US" sz="2800"/>
           </a:p>
         </p:txBody>
       </p:sp>
@@ -3065,10 +3051,9 @@
           <a:lstStyle/>
           <a:p>
             <a:r>
-              <a:rPr lang="en-US" smtClean="0"/>
+              <a:rPr lang="en-US"/>
               <a:t>Font</a:t>
             </a:r>
-            <a:endParaRPr lang="en-US"/>
           </a:p>
         </p:txBody>
       </p:sp>
@@ -3088,7 +3073,7 @@
           <a:lstStyle/>
           <a:p>
             <a:r>
-              <a:rPr lang="en-US" smtClean="0"/>
+              <a:rPr lang="en-US"/>
               <a:t>Helvetica Neue</a:t>
             </a:r>
           </a:p>
@@ -3104,6 +3089,477 @@
     <p:extLst>
       <p:ext uri="{BB962C8B-B14F-4D97-AF65-F5344CB8AC3E}">
         <p14:creationId xmlns:p14="http://schemas.microsoft.com/office/powerpoint/2010/main" val="2412736915"/>
+      </p:ext>
+    </p:extLst>
+  </p:cSld>
+  <p:clrMapOvr>
+    <a:masterClrMapping/>
+  </p:clrMapOvr>
+</p:sld>
+</file>
+
+<file path=ppt/slides/slide3.xml><?xml version="1.0" encoding="utf-8"?>
+<p:sld xmlns:a="http://schemas.openxmlformats.org/drawingml/2006/main" xmlns:r="http://schemas.openxmlformats.org/officeDocument/2006/relationships" xmlns:p="http://schemas.openxmlformats.org/presentationml/2006/main">
+  <p:cSld>
+    <p:spTree>
+      <p:nvGrpSpPr>
+        <p:cNvPr id="1" name=""/>
+        <p:cNvGrpSpPr/>
+        <p:nvPr/>
+      </p:nvGrpSpPr>
+      <p:grpSpPr>
+        <a:xfrm>
+          <a:off x="0" y="0"/>
+          <a:ext cx="0" cy="0"/>
+          <a:chOff x="0" y="0"/>
+          <a:chExt cx="0" cy="0"/>
+        </a:xfrm>
+      </p:grpSpPr>
+      <p:sp>
+        <p:nvSpPr>
+          <p:cNvPr id="2" name="Title 1">
+            <a:extLst>
+              <a:ext uri="{FF2B5EF4-FFF2-40B4-BE49-F238E27FC236}">
+                <a16:creationId xmlns:a16="http://schemas.microsoft.com/office/drawing/2014/main" id="{4B6BC093-35F8-4C7C-9D7E-220DBA843DAE}"/>
+              </a:ext>
+            </a:extLst>
+          </p:cNvPr>
+          <p:cNvSpPr>
+            <a:spLocks noGrp="1"/>
+          </p:cNvSpPr>
+          <p:nvPr>
+            <p:ph type="title"/>
+          </p:nvPr>
+        </p:nvSpPr>
+        <p:spPr/>
+        <p:txBody>
+          <a:bodyPr/>
+          <a:lstStyle/>
+          <a:p>
+            <a:r>
+              <a:rPr lang="en-US"/>
+              <a:t>Chart</a:t>
+            </a:r>
+          </a:p>
+        </p:txBody>
+      </p:sp>
+      <p:pic>
+        <p:nvPicPr>
+          <p:cNvPr id="4" name="Picture 3">
+            <a:extLst>
+              <a:ext uri="{FF2B5EF4-FFF2-40B4-BE49-F238E27FC236}">
+                <a16:creationId xmlns:a16="http://schemas.microsoft.com/office/drawing/2014/main" id="{B3D487D5-FD43-4310-8B30-4332E606F67D}"/>
+              </a:ext>
+            </a:extLst>
+          </p:cNvPr>
+          <p:cNvPicPr>
+            <a:picLocks noChangeAspect="1"/>
+          </p:cNvPicPr>
+          <p:nvPr/>
+        </p:nvPicPr>
+        <p:blipFill>
+          <a:blip r:embed="rId2"/>
+          <a:stretch>
+            <a:fillRect/>
+          </a:stretch>
+        </p:blipFill>
+        <p:spPr>
+          <a:xfrm>
+            <a:off x="561975" y="1223962"/>
+            <a:ext cx="11372850" cy="2105025"/>
+          </a:xfrm>
+          <a:prstGeom prst="rect">
+            <a:avLst/>
+          </a:prstGeom>
+        </p:spPr>
+      </p:pic>
+      <p:pic>
+        <p:nvPicPr>
+          <p:cNvPr id="5" name="Picture 4">
+            <a:extLst>
+              <a:ext uri="{FF2B5EF4-FFF2-40B4-BE49-F238E27FC236}">
+                <a16:creationId xmlns:a16="http://schemas.microsoft.com/office/drawing/2014/main" id="{D44A7256-2905-4B37-827F-AC45908D0AE9}"/>
+              </a:ext>
+            </a:extLst>
+          </p:cNvPr>
+          <p:cNvPicPr>
+            <a:picLocks noChangeAspect="1"/>
+          </p:cNvPicPr>
+          <p:nvPr/>
+        </p:nvPicPr>
+        <p:blipFill>
+          <a:blip r:embed="rId3"/>
+          <a:stretch>
+            <a:fillRect/>
+          </a:stretch>
+        </p:blipFill>
+        <p:spPr>
+          <a:xfrm>
+            <a:off x="1257300" y="3328987"/>
+            <a:ext cx="9334500" cy="3400425"/>
+          </a:xfrm>
+          <a:prstGeom prst="rect">
+            <a:avLst/>
+          </a:prstGeom>
+        </p:spPr>
+      </p:pic>
+      <p:sp>
+        <p:nvSpPr>
+          <p:cNvPr id="6" name="TextBox 5">
+            <a:extLst>
+              <a:ext uri="{FF2B5EF4-FFF2-40B4-BE49-F238E27FC236}">
+                <a16:creationId xmlns:a16="http://schemas.microsoft.com/office/drawing/2014/main" id="{2CDC7530-054C-47D9-B534-B59227EFCB54}"/>
+              </a:ext>
+            </a:extLst>
+          </p:cNvPr>
+          <p:cNvSpPr txBox="1"/>
+          <p:nvPr/>
+        </p:nvSpPr>
+        <p:spPr>
+          <a:xfrm>
+            <a:off x="5305425" y="2140505"/>
+            <a:ext cx="5286375" cy="369332"/>
+          </a:xfrm>
+          <a:prstGeom prst="rect">
+            <a:avLst/>
+          </a:prstGeom>
+          <a:noFill/>
+        </p:spPr>
+        <p:txBody>
+          <a:bodyPr wrap="square" rtlCol="0">
+            <a:spAutoFit/>
+          </a:bodyPr>
+          <a:lstStyle/>
+          <a:p>
+            <a:r>
+              <a:rPr lang="en-US" b="1">
+                <a:solidFill>
+                  <a:srgbClr val="FF0000"/>
+                </a:solidFill>
+              </a:rPr>
+              <a:t>Đã làm</a:t>
+            </a:r>
+          </a:p>
+        </p:txBody>
+      </p:sp>
+    </p:spTree>
+    <p:extLst>
+      <p:ext uri="{BB962C8B-B14F-4D97-AF65-F5344CB8AC3E}">
+        <p14:creationId xmlns:p14="http://schemas.microsoft.com/office/powerpoint/2010/main" val="330179270"/>
+      </p:ext>
+    </p:extLst>
+  </p:cSld>
+  <p:clrMapOvr>
+    <a:masterClrMapping/>
+  </p:clrMapOvr>
+</p:sld>
+</file>
+
+<file path=ppt/slides/slide4.xml><?xml version="1.0" encoding="utf-8"?>
+<p:sld xmlns:a="http://schemas.openxmlformats.org/drawingml/2006/main" xmlns:r="http://schemas.openxmlformats.org/officeDocument/2006/relationships" xmlns:p="http://schemas.openxmlformats.org/presentationml/2006/main">
+  <p:cSld>
+    <p:spTree>
+      <p:nvGrpSpPr>
+        <p:cNvPr id="1" name=""/>
+        <p:cNvGrpSpPr/>
+        <p:nvPr/>
+      </p:nvGrpSpPr>
+      <p:grpSpPr>
+        <a:xfrm>
+          <a:off x="0" y="0"/>
+          <a:ext cx="0" cy="0"/>
+          <a:chOff x="0" y="0"/>
+          <a:chExt cx="0" cy="0"/>
+        </a:xfrm>
+      </p:grpSpPr>
+      <p:sp>
+        <p:nvSpPr>
+          <p:cNvPr id="2" name="Title 1">
+            <a:extLst>
+              <a:ext uri="{FF2B5EF4-FFF2-40B4-BE49-F238E27FC236}">
+                <a16:creationId xmlns:a16="http://schemas.microsoft.com/office/drawing/2014/main" id="{FE6C5066-F6EC-47FC-B349-A094C77CF5BB}"/>
+              </a:ext>
+            </a:extLst>
+          </p:cNvPr>
+          <p:cNvSpPr>
+            <a:spLocks noGrp="1"/>
+          </p:cNvSpPr>
+          <p:nvPr>
+            <p:ph type="title"/>
+          </p:nvPr>
+        </p:nvSpPr>
+        <p:spPr/>
+        <p:txBody>
+          <a:bodyPr/>
+          <a:lstStyle/>
+          <a:p>
+            <a:r>
+              <a:rPr lang="en-US"/>
+              <a:t>Chart</a:t>
+            </a:r>
+          </a:p>
+        </p:txBody>
+      </p:sp>
+      <p:pic>
+        <p:nvPicPr>
+          <p:cNvPr id="4" name="Picture 3">
+            <a:extLst>
+              <a:ext uri="{FF2B5EF4-FFF2-40B4-BE49-F238E27FC236}">
+                <a16:creationId xmlns:a16="http://schemas.microsoft.com/office/drawing/2014/main" id="{1C90DCDE-DE45-4EA8-8904-002E46D343BD}"/>
+              </a:ext>
+            </a:extLst>
+          </p:cNvPr>
+          <p:cNvPicPr>
+            <a:picLocks noChangeAspect="1"/>
+          </p:cNvPicPr>
+          <p:nvPr/>
+        </p:nvPicPr>
+        <p:blipFill>
+          <a:blip r:embed="rId2"/>
+          <a:stretch>
+            <a:fillRect/>
+          </a:stretch>
+        </p:blipFill>
+        <p:spPr>
+          <a:xfrm>
+            <a:off x="42862" y="1385887"/>
+            <a:ext cx="12106275" cy="1838325"/>
+          </a:xfrm>
+          <a:prstGeom prst="rect">
+            <a:avLst/>
+          </a:prstGeom>
+        </p:spPr>
+      </p:pic>
+      <p:pic>
+        <p:nvPicPr>
+          <p:cNvPr id="5" name="Picture 4">
+            <a:extLst>
+              <a:ext uri="{FF2B5EF4-FFF2-40B4-BE49-F238E27FC236}">
+                <a16:creationId xmlns:a16="http://schemas.microsoft.com/office/drawing/2014/main" id="{33869100-E72F-4B47-BC58-449003640DB6}"/>
+              </a:ext>
+            </a:extLst>
+          </p:cNvPr>
+          <p:cNvPicPr>
+            <a:picLocks noChangeAspect="1"/>
+          </p:cNvPicPr>
+          <p:nvPr/>
+        </p:nvPicPr>
+        <p:blipFill>
+          <a:blip r:embed="rId3"/>
+          <a:stretch>
+            <a:fillRect/>
+          </a:stretch>
+        </p:blipFill>
+        <p:spPr>
+          <a:xfrm>
+            <a:off x="152400" y="3357562"/>
+            <a:ext cx="3790950" cy="2028825"/>
+          </a:xfrm>
+          <a:prstGeom prst="rect">
+            <a:avLst/>
+          </a:prstGeom>
+        </p:spPr>
+      </p:pic>
+      <p:pic>
+        <p:nvPicPr>
+          <p:cNvPr id="6" name="Picture 5">
+            <a:extLst>
+              <a:ext uri="{FF2B5EF4-FFF2-40B4-BE49-F238E27FC236}">
+                <a16:creationId xmlns:a16="http://schemas.microsoft.com/office/drawing/2014/main" id="{485E4ED4-8F7B-4450-AB12-E39BA2F37550}"/>
+              </a:ext>
+            </a:extLst>
+          </p:cNvPr>
+          <p:cNvPicPr>
+            <a:picLocks noChangeAspect="1"/>
+          </p:cNvPicPr>
+          <p:nvPr/>
+        </p:nvPicPr>
+        <p:blipFill>
+          <a:blip r:embed="rId4"/>
+          <a:stretch>
+            <a:fillRect/>
+          </a:stretch>
+        </p:blipFill>
+        <p:spPr>
+          <a:xfrm>
+            <a:off x="4067175" y="3357562"/>
+            <a:ext cx="7753350" cy="2333625"/>
+          </a:xfrm>
+          <a:prstGeom prst="rect">
+            <a:avLst/>
+          </a:prstGeom>
+        </p:spPr>
+      </p:pic>
+      <p:sp>
+        <p:nvSpPr>
+          <p:cNvPr id="7" name="TextBox 6">
+            <a:extLst>
+              <a:ext uri="{FF2B5EF4-FFF2-40B4-BE49-F238E27FC236}">
+                <a16:creationId xmlns:a16="http://schemas.microsoft.com/office/drawing/2014/main" id="{FB8F3295-AB2A-416F-89E5-1B41B55E39B9}"/>
+              </a:ext>
+            </a:extLst>
+          </p:cNvPr>
+          <p:cNvSpPr txBox="1"/>
+          <p:nvPr/>
+        </p:nvSpPr>
+        <p:spPr>
+          <a:xfrm>
+            <a:off x="5229225" y="1935717"/>
+            <a:ext cx="5286375" cy="369332"/>
+          </a:xfrm>
+          <a:prstGeom prst="rect">
+            <a:avLst/>
+          </a:prstGeom>
+          <a:noFill/>
+        </p:spPr>
+        <p:txBody>
+          <a:bodyPr wrap="square" rtlCol="0">
+            <a:spAutoFit/>
+          </a:bodyPr>
+          <a:lstStyle/>
+          <a:p>
+            <a:r>
+              <a:rPr lang="en-US" b="1">
+                <a:solidFill>
+                  <a:srgbClr val="FF0000"/>
+                </a:solidFill>
+              </a:rPr>
+              <a:t>Đã làm</a:t>
+            </a:r>
+          </a:p>
+        </p:txBody>
+      </p:sp>
+      <p:sp>
+        <p:nvSpPr>
+          <p:cNvPr id="8" name="TextBox 7">
+            <a:extLst>
+              <a:ext uri="{FF2B5EF4-FFF2-40B4-BE49-F238E27FC236}">
+                <a16:creationId xmlns:a16="http://schemas.microsoft.com/office/drawing/2014/main" id="{E1184B6E-8313-47F6-B02E-8BFF122174B1}"/>
+              </a:ext>
+            </a:extLst>
+          </p:cNvPr>
+          <p:cNvSpPr txBox="1"/>
+          <p:nvPr/>
+        </p:nvSpPr>
+        <p:spPr>
+          <a:xfrm>
+            <a:off x="6095999" y="4524374"/>
+            <a:ext cx="5286375" cy="369332"/>
+          </a:xfrm>
+          <a:prstGeom prst="rect">
+            <a:avLst/>
+          </a:prstGeom>
+          <a:noFill/>
+        </p:spPr>
+        <p:txBody>
+          <a:bodyPr wrap="square" rtlCol="0">
+            <a:spAutoFit/>
+          </a:bodyPr>
+          <a:lstStyle/>
+          <a:p>
+            <a:r>
+              <a:rPr lang="en-US" b="1">
+                <a:solidFill>
+                  <a:srgbClr val="FF0000"/>
+                </a:solidFill>
+              </a:rPr>
+              <a:t>Đã làm, giống chart organic keyword trend</a:t>
+            </a:r>
+          </a:p>
+        </p:txBody>
+      </p:sp>
+    </p:spTree>
+    <p:extLst>
+      <p:ext uri="{BB962C8B-B14F-4D97-AF65-F5344CB8AC3E}">
+        <p14:creationId xmlns:p14="http://schemas.microsoft.com/office/powerpoint/2010/main" val="2617146174"/>
+      </p:ext>
+    </p:extLst>
+  </p:cSld>
+  <p:clrMapOvr>
+    <a:masterClrMapping/>
+  </p:clrMapOvr>
+</p:sld>
+</file>
+
+<file path=ppt/slides/slide5.xml><?xml version="1.0" encoding="utf-8"?>
+<p:sld xmlns:a="http://schemas.openxmlformats.org/drawingml/2006/main" xmlns:r="http://schemas.openxmlformats.org/officeDocument/2006/relationships" xmlns:p="http://schemas.openxmlformats.org/presentationml/2006/main">
+  <p:cSld>
+    <p:spTree>
+      <p:nvGrpSpPr>
+        <p:cNvPr id="1" name=""/>
+        <p:cNvGrpSpPr/>
+        <p:nvPr/>
+      </p:nvGrpSpPr>
+      <p:grpSpPr>
+        <a:xfrm>
+          <a:off x="0" y="0"/>
+          <a:ext cx="0" cy="0"/>
+          <a:chOff x="0" y="0"/>
+          <a:chExt cx="0" cy="0"/>
+        </a:xfrm>
+      </p:grpSpPr>
+      <p:sp>
+        <p:nvSpPr>
+          <p:cNvPr id="2" name="Title 1">
+            <a:extLst>
+              <a:ext uri="{FF2B5EF4-FFF2-40B4-BE49-F238E27FC236}">
+                <a16:creationId xmlns:a16="http://schemas.microsoft.com/office/drawing/2014/main" id="{52839140-B93B-47C4-8E98-31561E9C6D95}"/>
+              </a:ext>
+            </a:extLst>
+          </p:cNvPr>
+          <p:cNvSpPr>
+            <a:spLocks noGrp="1"/>
+          </p:cNvSpPr>
+          <p:nvPr>
+            <p:ph type="title"/>
+          </p:nvPr>
+        </p:nvSpPr>
+        <p:spPr/>
+        <p:txBody>
+          <a:bodyPr/>
+          <a:lstStyle/>
+          <a:p>
+            <a:r>
+              <a:rPr lang="en-US"/>
+              <a:t>Chart</a:t>
+            </a:r>
+          </a:p>
+        </p:txBody>
+      </p:sp>
+      <p:pic>
+        <p:nvPicPr>
+          <p:cNvPr id="4" name="Picture 3">
+            <a:extLst>
+              <a:ext uri="{FF2B5EF4-FFF2-40B4-BE49-F238E27FC236}">
+                <a16:creationId xmlns:a16="http://schemas.microsoft.com/office/drawing/2014/main" id="{CAB18C11-B274-4FEA-9AF8-D8901E31BCC5}"/>
+              </a:ext>
+            </a:extLst>
+          </p:cNvPr>
+          <p:cNvPicPr>
+            <a:picLocks noChangeAspect="1"/>
+          </p:cNvPicPr>
+          <p:nvPr/>
+        </p:nvPicPr>
+        <p:blipFill>
+          <a:blip r:embed="rId2"/>
+          <a:stretch>
+            <a:fillRect/>
+          </a:stretch>
+        </p:blipFill>
+        <p:spPr>
+          <a:xfrm>
+            <a:off x="838200" y="1609725"/>
+            <a:ext cx="2790825" cy="1819275"/>
+          </a:xfrm>
+          <a:prstGeom prst="rect">
+            <a:avLst/>
+          </a:prstGeom>
+        </p:spPr>
+      </p:pic>
+    </p:spTree>
+    <p:extLst>
+      <p:ext uri="{BB962C8B-B14F-4D97-AF65-F5344CB8AC3E}">
+        <p14:creationId xmlns:p14="http://schemas.microsoft.com/office/powerpoint/2010/main" val="88142803"/>
       </p:ext>
     </p:extLst>
   </p:cSld>
